--- a/backend/sandbox/presentation.pptx
+++ b/backend/sandbox/presentation.pptx
@@ -6,6 +6,19 @@
   </p:sldMasterIdLst>
   <p:sldIdLst>
     <p:sldId id="256" r:id="rId7"/>
+    <p:sldId id="257" r:id="rId8"/>
+    <p:sldId id="258" r:id="rId9"/>
+    <p:sldId id="259" r:id="rId10"/>
+    <p:sldId id="260" r:id="rId11"/>
+    <p:sldId id="261" r:id="rId12"/>
+    <p:sldId id="262" r:id="rId13"/>
+    <p:sldId id="263" r:id="rId14"/>
+    <p:sldId id="264" r:id="rId15"/>
+    <p:sldId id="265" r:id="rId16"/>
+    <p:sldId id="266" r:id="rId17"/>
+    <p:sldId id="267" r:id="rId18"/>
+    <p:sldId id="268" r:id="rId19"/>
+    <p:sldId id="269" r:id="rId20"/>
   </p:sldIdLst>
   <p:sldSz cx="14630400" cy="8229600" type="screen4x3"/>
   <p:notesSz cx="6858000" cy="9144000"/>
@@ -3092,7 +3105,7 @@
               <a:srgbClr val="F5E2FF"/>
             </a:gs>
           </a:gsLst>
-          <a:lin scaled="0" ang="7800000"/>
+          <a:lin scaled="0" ang="17940000"/>
         </a:gradFill>
         <a:effectLst/>
       </p:bgPr>
@@ -3168,6 +3181,1264 @@
             </a:pPr>
             <a:r>
               <a:t>Приложение для запоминания формул</a:t>
+            </a:r>
+          </a:p>
+        </p:txBody>
+      </p:sp>
+    </p:spTree>
+  </p:cSld>
+  <p:clrMapOvr>
+    <a:masterClrMapping/>
+  </p:clrMapOvr>
+</p:sld>
+</file>
+
+<file path=ppt/slides/slide10.xml><?xml version="1.0" encoding="utf-8"?>
+<p:sld xmlns:a="http://schemas.openxmlformats.org/drawingml/2006/main" xmlns:p="http://schemas.openxmlformats.org/presentationml/2006/main" xmlns:r="http://schemas.openxmlformats.org/officeDocument/2006/relationships">
+  <p:cSld>
+    <p:bg>
+      <p:bgPr>
+        <a:gradFill rotWithShape="1">
+          <a:gsLst>
+            <a:gs pos="0">
+              <a:srgbClr val="E0FBFF"/>
+            </a:gs>
+            <a:gs pos="100000">
+              <a:srgbClr val="F5E2FF"/>
+            </a:gs>
+          </a:gsLst>
+          <a:lin scaled="0" ang="5280000"/>
+        </a:gradFill>
+        <a:effectLst/>
+      </p:bgPr>
+    </p:bg>
+    <p:spTree>
+      <p:nvGrpSpPr>
+        <p:cNvPr id="1" name=""/>
+        <p:cNvGrpSpPr/>
+        <p:nvPr/>
+      </p:nvGrpSpPr>
+      <p:grpSpPr/>
+      <p:sp>
+        <p:nvSpPr>
+          <p:cNvPr id="2" name="Title 1"/>
+          <p:cNvSpPr>
+            <a:spLocks noGrp="1"/>
+          </p:cNvSpPr>
+          <p:nvPr>
+            <p:ph type="title"/>
+          </p:nvPr>
+        </p:nvSpPr>
+        <p:spPr>
+          <a:xfrm>
+            <a:off x="914400" y="731520"/>
+            <a:ext cx="12801600" cy="0"/>
+          </a:xfrm>
+        </p:spPr>
+        <p:txBody>
+          <a:bodyPr/>
+          <a:lstStyle/>
+          <a:p>
+            <a:pPr>
+              <a:defRPr b="1" sz="5000">
+                <a:solidFill>
+                  <a:srgbClr val="000000"/>
+                </a:solidFill>
+                <a:latin typeface="VK Sans Display"/>
+              </a:defRPr>
+            </a:pPr>
+            <a:r>
+              <a:t>Бизнес-модель</a:t>
+            </a:r>
+          </a:p>
+        </p:txBody>
+      </p:sp>
+      <p:sp>
+        <p:nvSpPr>
+          <p:cNvPr id="3" name="Content Placeholder 2"/>
+          <p:cNvSpPr>
+            <a:spLocks noGrp="1"/>
+          </p:cNvSpPr>
+          <p:nvPr>
+            <p:ph idx="1"/>
+          </p:nvPr>
+        </p:nvSpPr>
+        <p:spPr>
+          <a:xfrm>
+            <a:off x="914400" y="2743200"/>
+            <a:ext cx="12801600" cy="0"/>
+          </a:xfrm>
+        </p:spPr>
+        <p:txBody>
+          <a:bodyPr/>
+          <a:lstStyle/>
+          <a:p>
+            <a:pPr>
+              <a:defRPr b="0" sz="3800">
+                <a:solidFill>
+                  <a:srgbClr val="000000"/>
+                </a:solidFill>
+                <a:latin typeface="VK Sans Display"/>
+              </a:defRPr>
+            </a:pPr>
+            <a:r>
+              <a:t>Бизнес-модель стартапа, тарифы, условия для клиентов</a:t>
+            </a:r>
+          </a:p>
+        </p:txBody>
+      </p:sp>
+    </p:spTree>
+  </p:cSld>
+  <p:clrMapOvr>
+    <a:masterClrMapping/>
+  </p:clrMapOvr>
+</p:sld>
+</file>
+
+<file path=ppt/slides/slide11.xml><?xml version="1.0" encoding="utf-8"?>
+<p:sld xmlns:a="http://schemas.openxmlformats.org/drawingml/2006/main" xmlns:p="http://schemas.openxmlformats.org/presentationml/2006/main" xmlns:r="http://schemas.openxmlformats.org/officeDocument/2006/relationships">
+  <p:cSld>
+    <p:bg>
+      <p:bgPr>
+        <a:gradFill rotWithShape="1">
+          <a:gsLst>
+            <a:gs pos="0">
+              <a:srgbClr val="E0FBFF"/>
+            </a:gs>
+            <a:gs pos="100000">
+              <a:srgbClr val="F5E2FF"/>
+            </a:gs>
+          </a:gsLst>
+          <a:lin scaled="0" ang="21480000"/>
+        </a:gradFill>
+        <a:effectLst/>
+      </p:bgPr>
+    </p:bg>
+    <p:spTree>
+      <p:nvGrpSpPr>
+        <p:cNvPr id="1" name=""/>
+        <p:cNvGrpSpPr/>
+        <p:nvPr/>
+      </p:nvGrpSpPr>
+      <p:grpSpPr/>
+      <p:sp>
+        <p:nvSpPr>
+          <p:cNvPr id="2" name="Title 1"/>
+          <p:cNvSpPr>
+            <a:spLocks noGrp="1"/>
+          </p:cNvSpPr>
+          <p:nvPr>
+            <p:ph type="title"/>
+          </p:nvPr>
+        </p:nvSpPr>
+        <p:spPr>
+          <a:xfrm>
+            <a:off x="914400" y="731520"/>
+            <a:ext cx="12801600" cy="0"/>
+          </a:xfrm>
+        </p:spPr>
+        <p:txBody>
+          <a:bodyPr/>
+          <a:lstStyle/>
+          <a:p>
+            <a:pPr>
+              <a:defRPr b="1" sz="5000">
+                <a:solidFill>
+                  <a:srgbClr val="000000"/>
+                </a:solidFill>
+                <a:latin typeface="VK Sans Display"/>
+              </a:defRPr>
+            </a:pPr>
+            <a:r>
+              <a:t>Наша команда</a:t>
+            </a:r>
+          </a:p>
+        </p:txBody>
+      </p:sp>
+      <p:sp>
+        <p:nvSpPr>
+          <p:cNvPr id="3" name="Content Placeholder 2"/>
+          <p:cNvSpPr>
+            <a:spLocks noGrp="1"/>
+          </p:cNvSpPr>
+          <p:nvPr>
+            <p:ph idx="1"/>
+          </p:nvPr>
+        </p:nvSpPr>
+        <p:spPr/>
+        <p:txBody>
+          <a:bodyPr/>
+          <a:lstStyle/>
+          <a:p/>
+        </p:txBody>
+      </p:sp>
+    </p:spTree>
+  </p:cSld>
+  <p:clrMapOvr>
+    <a:masterClrMapping/>
+  </p:clrMapOvr>
+</p:sld>
+</file>
+
+<file path=ppt/slides/slide12.xml><?xml version="1.0" encoding="utf-8"?>
+<p:sld xmlns:a="http://schemas.openxmlformats.org/drawingml/2006/main" xmlns:p="http://schemas.openxmlformats.org/presentationml/2006/main" xmlns:r="http://schemas.openxmlformats.org/officeDocument/2006/relationships">
+  <p:cSld>
+    <p:bg>
+      <p:bgPr>
+        <a:gradFill rotWithShape="1">
+          <a:gsLst>
+            <a:gs pos="0">
+              <a:srgbClr val="E0FBFF"/>
+            </a:gs>
+            <a:gs pos="100000">
+              <a:srgbClr val="F5E2FF"/>
+            </a:gs>
+          </a:gsLst>
+          <a:lin scaled="0" ang="3960000"/>
+        </a:gradFill>
+        <a:effectLst/>
+      </p:bgPr>
+    </p:bg>
+    <p:spTree>
+      <p:nvGrpSpPr>
+        <p:cNvPr id="1" name=""/>
+        <p:cNvGrpSpPr/>
+        <p:nvPr/>
+      </p:nvGrpSpPr>
+      <p:grpSpPr/>
+      <p:sp>
+        <p:nvSpPr>
+          <p:cNvPr id="2" name="Title 1"/>
+          <p:cNvSpPr>
+            <a:spLocks noGrp="1"/>
+          </p:cNvSpPr>
+          <p:nvPr>
+            <p:ph type="title"/>
+          </p:nvPr>
+        </p:nvSpPr>
+        <p:spPr>
+          <a:xfrm>
+            <a:off x="914400" y="731520"/>
+            <a:ext cx="12801600" cy="0"/>
+          </a:xfrm>
+        </p:spPr>
+        <p:txBody>
+          <a:bodyPr/>
+          <a:lstStyle/>
+          <a:p>
+            <a:pPr>
+              <a:defRPr b="1" sz="5000">
+                <a:solidFill>
+                  <a:srgbClr val="000000"/>
+                </a:solidFill>
+                <a:latin typeface="VK Sans Display"/>
+              </a:defRPr>
+            </a:pPr>
+            <a:r>
+              <a:t>Инвестиции</a:t>
+            </a:r>
+          </a:p>
+        </p:txBody>
+      </p:sp>
+      <p:sp>
+        <p:nvSpPr>
+          <p:cNvPr id="3" name="Content Placeholder 2"/>
+          <p:cNvSpPr>
+            <a:spLocks noGrp="1"/>
+          </p:cNvSpPr>
+          <p:nvPr>
+            <p:ph idx="1"/>
+          </p:nvPr>
+        </p:nvSpPr>
+        <p:spPr/>
+        <p:txBody>
+          <a:bodyPr/>
+          <a:lstStyle/>
+          <a:p/>
+        </p:txBody>
+      </p:sp>
+    </p:spTree>
+  </p:cSld>
+  <p:clrMapOvr>
+    <a:masterClrMapping/>
+  </p:clrMapOvr>
+</p:sld>
+</file>
+
+<file path=ppt/slides/slide13.xml><?xml version="1.0" encoding="utf-8"?>
+<p:sld xmlns:a="http://schemas.openxmlformats.org/drawingml/2006/main" xmlns:p="http://schemas.openxmlformats.org/presentationml/2006/main" xmlns:r="http://schemas.openxmlformats.org/officeDocument/2006/relationships">
+  <p:cSld>
+    <p:bg>
+      <p:bgPr>
+        <a:gradFill rotWithShape="1">
+          <a:gsLst>
+            <a:gs pos="0">
+              <a:srgbClr val="E0FBFF"/>
+            </a:gs>
+            <a:gs pos="100000">
+              <a:srgbClr val="F5E2FF"/>
+            </a:gs>
+          </a:gsLst>
+          <a:lin scaled="0" ang="10620000"/>
+        </a:gradFill>
+        <a:effectLst/>
+      </p:bgPr>
+    </p:bg>
+    <p:spTree>
+      <p:nvGrpSpPr>
+        <p:cNvPr id="1" name=""/>
+        <p:cNvGrpSpPr/>
+        <p:nvPr/>
+      </p:nvGrpSpPr>
+      <p:grpSpPr/>
+      <p:sp>
+        <p:nvSpPr>
+          <p:cNvPr id="2" name="Title 1"/>
+          <p:cNvSpPr>
+            <a:spLocks noGrp="1"/>
+          </p:cNvSpPr>
+          <p:nvPr>
+            <p:ph type="title"/>
+          </p:nvPr>
+        </p:nvSpPr>
+        <p:spPr>
+          <a:xfrm>
+            <a:off x="914400" y="731520"/>
+            <a:ext cx="12801600" cy="0"/>
+          </a:xfrm>
+        </p:spPr>
+        <p:txBody>
+          <a:bodyPr/>
+          <a:lstStyle/>
+          <a:p>
+            <a:pPr>
+              <a:defRPr b="1" sz="5000">
+                <a:solidFill>
+                  <a:srgbClr val="000000"/>
+                </a:solidFill>
+                <a:latin typeface="VK Sans Display"/>
+              </a:defRPr>
+            </a:pPr>
+            <a:r>
+              <a:t>Roadmap</a:t>
+            </a:r>
+          </a:p>
+        </p:txBody>
+      </p:sp>
+      <p:sp>
+        <p:nvSpPr>
+          <p:cNvPr id="3" name="Content Placeholder 2"/>
+          <p:cNvSpPr>
+            <a:spLocks noGrp="1"/>
+          </p:cNvSpPr>
+          <p:nvPr>
+            <p:ph idx="1"/>
+          </p:nvPr>
+        </p:nvSpPr>
+        <p:spPr/>
+        <p:txBody>
+          <a:bodyPr/>
+          <a:lstStyle/>
+          <a:p/>
+        </p:txBody>
+      </p:sp>
+    </p:spTree>
+  </p:cSld>
+  <p:clrMapOvr>
+    <a:masterClrMapping/>
+  </p:clrMapOvr>
+</p:sld>
+</file>
+
+<file path=ppt/slides/slide14.xml><?xml version="1.0" encoding="utf-8"?>
+<p:sld xmlns:a="http://schemas.openxmlformats.org/drawingml/2006/main" xmlns:p="http://schemas.openxmlformats.org/presentationml/2006/main" xmlns:r="http://schemas.openxmlformats.org/officeDocument/2006/relationships">
+  <p:cSld>
+    <p:bg>
+      <p:bgPr>
+        <a:gradFill rotWithShape="1">
+          <a:gsLst>
+            <a:gs pos="0">
+              <a:srgbClr val="E0FBFF"/>
+            </a:gs>
+            <a:gs pos="100000">
+              <a:srgbClr val="F5E2FF"/>
+            </a:gs>
+          </a:gsLst>
+          <a:lin scaled="0" ang="19080000"/>
+        </a:gradFill>
+        <a:effectLst/>
+      </p:bgPr>
+    </p:bg>
+    <p:spTree>
+      <p:nvGrpSpPr>
+        <p:cNvPr id="1" name=""/>
+        <p:cNvGrpSpPr/>
+        <p:nvPr/>
+      </p:nvGrpSpPr>
+      <p:grpSpPr/>
+      <p:sp>
+        <p:nvSpPr>
+          <p:cNvPr id="2" name="Title 1"/>
+          <p:cNvSpPr>
+            <a:spLocks noGrp="1"/>
+          </p:cNvSpPr>
+          <p:nvPr>
+            <p:ph type="title"/>
+          </p:nvPr>
+        </p:nvSpPr>
+        <p:spPr>
+          <a:xfrm>
+            <a:off x="914400" y="731520"/>
+            <a:ext cx="12801600" cy="0"/>
+          </a:xfrm>
+        </p:spPr>
+        <p:txBody>
+          <a:bodyPr/>
+          <a:lstStyle/>
+          <a:p>
+            <a:pPr>
+              <a:defRPr b="1" sz="5000">
+                <a:solidFill>
+                  <a:srgbClr val="000000"/>
+                </a:solidFill>
+                <a:latin typeface="VK Sans Display"/>
+              </a:defRPr>
+            </a:pPr>
+            <a:r>
+              <a:t>Контакты</a:t>
+            </a:r>
+          </a:p>
+        </p:txBody>
+      </p:sp>
+      <p:sp>
+        <p:nvSpPr>
+          <p:cNvPr id="3" name="Content Placeholder 2"/>
+          <p:cNvSpPr>
+            <a:spLocks noGrp="1"/>
+          </p:cNvSpPr>
+          <p:nvPr>
+            <p:ph idx="1"/>
+          </p:nvPr>
+        </p:nvSpPr>
+        <p:spPr/>
+        <p:txBody>
+          <a:bodyPr/>
+          <a:lstStyle/>
+          <a:p/>
+        </p:txBody>
+      </p:sp>
+    </p:spTree>
+  </p:cSld>
+  <p:clrMapOvr>
+    <a:masterClrMapping/>
+  </p:clrMapOvr>
+</p:sld>
+</file>
+
+<file path=ppt/slides/slide2.xml><?xml version="1.0" encoding="utf-8"?>
+<p:sld xmlns:a="http://schemas.openxmlformats.org/drawingml/2006/main" xmlns:p="http://schemas.openxmlformats.org/presentationml/2006/main" xmlns:r="http://schemas.openxmlformats.org/officeDocument/2006/relationships">
+  <p:cSld>
+    <p:bg>
+      <p:bgPr>
+        <a:gradFill rotWithShape="1">
+          <a:gsLst>
+            <a:gs pos="0">
+              <a:srgbClr val="E0FBFF"/>
+            </a:gs>
+            <a:gs pos="100000">
+              <a:srgbClr val="F5E2FF"/>
+            </a:gs>
+          </a:gsLst>
+          <a:lin scaled="0" ang="1500000"/>
+        </a:gradFill>
+        <a:effectLst/>
+      </p:bgPr>
+    </p:bg>
+    <p:spTree>
+      <p:nvGrpSpPr>
+        <p:cNvPr id="1" name=""/>
+        <p:cNvGrpSpPr/>
+        <p:nvPr/>
+      </p:nvGrpSpPr>
+      <p:grpSpPr/>
+      <p:sp>
+        <p:nvSpPr>
+          <p:cNvPr id="2" name="Title 1"/>
+          <p:cNvSpPr>
+            <a:spLocks noGrp="1"/>
+          </p:cNvSpPr>
+          <p:nvPr>
+            <p:ph type="title"/>
+          </p:nvPr>
+        </p:nvSpPr>
+        <p:spPr>
+          <a:xfrm>
+            <a:off x="914400" y="731520"/>
+            <a:ext cx="12801600" cy="0"/>
+          </a:xfrm>
+        </p:spPr>
+        <p:txBody>
+          <a:bodyPr/>
+          <a:lstStyle/>
+          <a:p>
+            <a:pPr>
+              <a:defRPr b="1" sz="5000">
+                <a:solidFill>
+                  <a:srgbClr val="000000"/>
+                </a:solidFill>
+                <a:latin typeface="VK Sans Display"/>
+              </a:defRPr>
+            </a:pPr>
+            <a:r>
+              <a:t>Проблема</a:t>
+            </a:r>
+          </a:p>
+        </p:txBody>
+      </p:sp>
+      <p:sp>
+        <p:nvSpPr>
+          <p:cNvPr id="3" name="Content Placeholder 2"/>
+          <p:cNvSpPr>
+            <a:spLocks noGrp="1"/>
+          </p:cNvSpPr>
+          <p:nvPr>
+            <p:ph idx="1"/>
+          </p:nvPr>
+        </p:nvSpPr>
+        <p:spPr>
+          <a:xfrm>
+            <a:off x="914400" y="2743200"/>
+            <a:ext cx="12801600" cy="0"/>
+          </a:xfrm>
+        </p:spPr>
+        <p:txBody>
+          <a:bodyPr/>
+          <a:lstStyle/>
+          <a:p>
+            <a:pPr>
+              <a:defRPr b="0" sz="3800">
+                <a:solidFill>
+                  <a:srgbClr val="000000"/>
+                </a:solidFill>
+                <a:latin typeface="VK Sans Display"/>
+              </a:defRPr>
+            </a:pPr>
+            <a:r>
+              <a:t>Школьники тратят слишком много времени для изучения математических формул</a:t>
+            </a:r>
+          </a:p>
+        </p:txBody>
+      </p:sp>
+    </p:spTree>
+  </p:cSld>
+  <p:clrMapOvr>
+    <a:masterClrMapping/>
+  </p:clrMapOvr>
+</p:sld>
+</file>
+
+<file path=ppt/slides/slide3.xml><?xml version="1.0" encoding="utf-8"?>
+<p:sld xmlns:a="http://schemas.openxmlformats.org/drawingml/2006/main" xmlns:p="http://schemas.openxmlformats.org/presentationml/2006/main" xmlns:r="http://schemas.openxmlformats.org/officeDocument/2006/relationships">
+  <p:cSld>
+    <p:bg>
+      <p:bgPr>
+        <a:gradFill rotWithShape="1">
+          <a:gsLst>
+            <a:gs pos="0">
+              <a:srgbClr val="E0FBFF"/>
+            </a:gs>
+            <a:gs pos="100000">
+              <a:srgbClr val="F5E2FF"/>
+            </a:gs>
+          </a:gsLst>
+          <a:lin scaled="0" ang="8880000"/>
+        </a:gradFill>
+        <a:effectLst/>
+      </p:bgPr>
+    </p:bg>
+    <p:spTree>
+      <p:nvGrpSpPr>
+        <p:cNvPr id="1" name=""/>
+        <p:cNvGrpSpPr/>
+        <p:nvPr/>
+      </p:nvGrpSpPr>
+      <p:grpSpPr/>
+      <p:sp>
+        <p:nvSpPr>
+          <p:cNvPr id="2" name="Title 1"/>
+          <p:cNvSpPr>
+            <a:spLocks noGrp="1"/>
+          </p:cNvSpPr>
+          <p:nvPr>
+            <p:ph type="title"/>
+          </p:nvPr>
+        </p:nvSpPr>
+        <p:spPr>
+          <a:xfrm>
+            <a:off x="914400" y="731520"/>
+            <a:ext cx="12801600" cy="0"/>
+          </a:xfrm>
+        </p:spPr>
+        <p:txBody>
+          <a:bodyPr/>
+          <a:lstStyle/>
+          <a:p>
+            <a:pPr>
+              <a:defRPr b="1" sz="5000">
+                <a:solidFill>
+                  <a:srgbClr val="000000"/>
+                </a:solidFill>
+                <a:latin typeface="VK Sans Display"/>
+              </a:defRPr>
+            </a:pPr>
+            <a:r>
+              <a:t>Наше решение</a:t>
+            </a:r>
+          </a:p>
+        </p:txBody>
+      </p:sp>
+      <p:sp>
+        <p:nvSpPr>
+          <p:cNvPr id="3" name="Content Placeholder 2"/>
+          <p:cNvSpPr>
+            <a:spLocks noGrp="1"/>
+          </p:cNvSpPr>
+          <p:nvPr>
+            <p:ph idx="1"/>
+          </p:nvPr>
+        </p:nvSpPr>
+        <p:spPr>
+          <a:xfrm>
+            <a:off x="914400" y="2743200"/>
+            <a:ext cx="12801600" cy="0"/>
+          </a:xfrm>
+        </p:spPr>
+        <p:txBody>
+          <a:bodyPr/>
+          <a:lstStyle/>
+          <a:p>
+            <a:pPr>
+              <a:defRPr b="0" sz="3800">
+                <a:solidFill>
+                  <a:srgbClr val="000000"/>
+                </a:solidFill>
+                <a:latin typeface="VK Sans Display"/>
+              </a:defRPr>
+            </a:pPr>
+            <a:r>
+              <a:t>Приложение для изучения формул с интерактивными тренировками</a:t>
+            </a:r>
+          </a:p>
+        </p:txBody>
+      </p:sp>
+    </p:spTree>
+  </p:cSld>
+  <p:clrMapOvr>
+    <a:masterClrMapping/>
+  </p:clrMapOvr>
+</p:sld>
+</file>
+
+<file path=ppt/slides/slide4.xml><?xml version="1.0" encoding="utf-8"?>
+<p:sld xmlns:a="http://schemas.openxmlformats.org/drawingml/2006/main" xmlns:p="http://schemas.openxmlformats.org/presentationml/2006/main" xmlns:r="http://schemas.openxmlformats.org/officeDocument/2006/relationships">
+  <p:cSld>
+    <p:bg>
+      <p:bgPr>
+        <a:gradFill rotWithShape="1">
+          <a:gsLst>
+            <a:gs pos="0">
+              <a:srgbClr val="E0FBFF"/>
+            </a:gs>
+            <a:gs pos="100000">
+              <a:srgbClr val="F5E2FF"/>
+            </a:gs>
+          </a:gsLst>
+          <a:lin scaled="0" ang="16200000"/>
+        </a:gradFill>
+        <a:effectLst/>
+      </p:bgPr>
+    </p:bg>
+    <p:spTree>
+      <p:nvGrpSpPr>
+        <p:cNvPr id="1" name=""/>
+        <p:cNvGrpSpPr/>
+        <p:nvPr/>
+      </p:nvGrpSpPr>
+      <p:grpSpPr/>
+      <p:sp>
+        <p:nvSpPr>
+          <p:cNvPr id="2" name="Title 1"/>
+          <p:cNvSpPr>
+            <a:spLocks noGrp="1"/>
+          </p:cNvSpPr>
+          <p:nvPr>
+            <p:ph type="title"/>
+          </p:nvPr>
+        </p:nvSpPr>
+        <p:spPr>
+          <a:xfrm>
+            <a:off x="914400" y="731520"/>
+            <a:ext cx="12801600" cy="0"/>
+          </a:xfrm>
+        </p:spPr>
+        <p:txBody>
+          <a:bodyPr/>
+          <a:lstStyle/>
+          <a:p>
+            <a:pPr>
+              <a:defRPr b="1" sz="5000">
+                <a:solidFill>
+                  <a:srgbClr val="000000"/>
+                </a:solidFill>
+                <a:latin typeface="VK Sans Display"/>
+              </a:defRPr>
+            </a:pPr>
+            <a:r>
+              <a:t>Целевая аудитория</a:t>
+            </a:r>
+          </a:p>
+        </p:txBody>
+      </p:sp>
+      <p:sp>
+        <p:nvSpPr>
+          <p:cNvPr id="3" name="Content Placeholder 2"/>
+          <p:cNvSpPr>
+            <a:spLocks noGrp="1"/>
+          </p:cNvSpPr>
+          <p:nvPr>
+            <p:ph idx="1"/>
+          </p:nvPr>
+        </p:nvSpPr>
+        <p:spPr>
+          <a:xfrm>
+            <a:off x="914400" y="2743200"/>
+            <a:ext cx="12801600" cy="0"/>
+          </a:xfrm>
+        </p:spPr>
+        <p:txBody>
+          <a:bodyPr/>
+          <a:lstStyle/>
+          <a:p>
+            <a:pPr>
+              <a:defRPr b="0" sz="3800">
+                <a:solidFill>
+                  <a:srgbClr val="000000"/>
+                </a:solidFill>
+                <a:latin typeface="VK Sans Display"/>
+              </a:defRPr>
+            </a:pPr>
+            <a:r>
+              <a:t>Школьники старших классов</a:t>
+            </a:r>
+          </a:p>
+        </p:txBody>
+      </p:sp>
+    </p:spTree>
+  </p:cSld>
+  <p:clrMapOvr>
+    <a:masterClrMapping/>
+  </p:clrMapOvr>
+</p:sld>
+</file>
+
+<file path=ppt/slides/slide5.xml><?xml version="1.0" encoding="utf-8"?>
+<p:sld xmlns:a="http://schemas.openxmlformats.org/drawingml/2006/main" xmlns:p="http://schemas.openxmlformats.org/presentationml/2006/main" xmlns:r="http://schemas.openxmlformats.org/officeDocument/2006/relationships">
+  <p:cSld>
+    <p:bg>
+      <p:bgPr>
+        <a:gradFill rotWithShape="1">
+          <a:gsLst>
+            <a:gs pos="0">
+              <a:srgbClr val="E0FBFF"/>
+            </a:gs>
+            <a:gs pos="100000">
+              <a:srgbClr val="F5E2FF"/>
+            </a:gs>
+          </a:gsLst>
+          <a:lin scaled="0" ang="7200000"/>
+        </a:gradFill>
+        <a:effectLst/>
+      </p:bgPr>
+    </p:bg>
+    <p:spTree>
+      <p:nvGrpSpPr>
+        <p:cNvPr id="1" name=""/>
+        <p:cNvGrpSpPr/>
+        <p:nvPr/>
+      </p:nvGrpSpPr>
+      <p:grpSpPr/>
+      <p:sp>
+        <p:nvSpPr>
+          <p:cNvPr id="2" name="Title 1"/>
+          <p:cNvSpPr>
+            <a:spLocks noGrp="1"/>
+          </p:cNvSpPr>
+          <p:nvPr>
+            <p:ph type="title"/>
+          </p:nvPr>
+        </p:nvSpPr>
+        <p:spPr>
+          <a:xfrm>
+            <a:off x="914400" y="731520"/>
+            <a:ext cx="12801600" cy="0"/>
+          </a:xfrm>
+        </p:spPr>
+        <p:txBody>
+          <a:bodyPr/>
+          <a:lstStyle/>
+          <a:p>
+            <a:pPr>
+              <a:defRPr b="1" sz="5000">
+                <a:solidFill>
+                  <a:srgbClr val="000000"/>
+                </a:solidFill>
+                <a:latin typeface="VK Sans Display"/>
+              </a:defRPr>
+            </a:pPr>
+            <a:r>
+              <a:t>Наша цель</a:t>
+            </a:r>
+          </a:p>
+        </p:txBody>
+      </p:sp>
+      <p:sp>
+        <p:nvSpPr>
+          <p:cNvPr id="3" name="Content Placeholder 2"/>
+          <p:cNvSpPr>
+            <a:spLocks noGrp="1"/>
+          </p:cNvSpPr>
+          <p:nvPr>
+            <p:ph idx="1"/>
+          </p:nvPr>
+        </p:nvSpPr>
+        <p:spPr>
+          <a:xfrm>
+            <a:off x="914400" y="2743200"/>
+            <a:ext cx="12801600" cy="0"/>
+          </a:xfrm>
+        </p:spPr>
+        <p:txBody>
+          <a:bodyPr/>
+          <a:lstStyle/>
+          <a:p>
+            <a:pPr>
+              <a:defRPr b="0" sz="3800">
+                <a:solidFill>
+                  <a:srgbClr val="000000"/>
+                </a:solidFill>
+                <a:latin typeface="VK Sans Display"/>
+              </a:defRPr>
+            </a:pPr>
+            <a:r>
+              <a:t>Помочь ученикам эффективнее готовиться к экзаменам и лучше запоминать формулы</a:t>
+            </a:r>
+          </a:p>
+        </p:txBody>
+      </p:sp>
+    </p:spTree>
+  </p:cSld>
+  <p:clrMapOvr>
+    <a:masterClrMapping/>
+  </p:clrMapOvr>
+</p:sld>
+</file>
+
+<file path=ppt/slides/slide6.xml><?xml version="1.0" encoding="utf-8"?>
+<p:sld xmlns:a="http://schemas.openxmlformats.org/drawingml/2006/main" xmlns:p="http://schemas.openxmlformats.org/presentationml/2006/main" xmlns:r="http://schemas.openxmlformats.org/officeDocument/2006/relationships">
+  <p:cSld>
+    <p:bg>
+      <p:bgPr>
+        <a:gradFill rotWithShape="1">
+          <a:gsLst>
+            <a:gs pos="0">
+              <a:srgbClr val="E0FBFF"/>
+            </a:gs>
+            <a:gs pos="100000">
+              <a:srgbClr val="F5E2FF"/>
+            </a:gs>
+          </a:gsLst>
+          <a:lin scaled="0" ang="15000000"/>
+        </a:gradFill>
+        <a:effectLst/>
+      </p:bgPr>
+    </p:bg>
+    <p:spTree>
+      <p:nvGrpSpPr>
+        <p:cNvPr id="1" name=""/>
+        <p:cNvGrpSpPr/>
+        <p:nvPr/>
+      </p:nvGrpSpPr>
+      <p:grpSpPr/>
+      <p:sp>
+        <p:nvSpPr>
+          <p:cNvPr id="2" name="Title 1"/>
+          <p:cNvSpPr>
+            <a:spLocks noGrp="1"/>
+          </p:cNvSpPr>
+          <p:nvPr>
+            <p:ph type="title"/>
+          </p:nvPr>
+        </p:nvSpPr>
+        <p:spPr>
+          <a:xfrm>
+            <a:off x="914400" y="731520"/>
+            <a:ext cx="12801600" cy="0"/>
+          </a:xfrm>
+        </p:spPr>
+        <p:txBody>
+          <a:bodyPr/>
+          <a:lstStyle/>
+          <a:p>
+            <a:pPr>
+              <a:defRPr b="1" sz="5000">
+                <a:solidFill>
+                  <a:srgbClr val="000000"/>
+                </a:solidFill>
+                <a:latin typeface="VK Sans Display"/>
+              </a:defRPr>
+            </a:pPr>
+            <a:r>
+              <a:t>Задачи</a:t>
+            </a:r>
+          </a:p>
+        </p:txBody>
+      </p:sp>
+      <p:sp>
+        <p:nvSpPr>
+          <p:cNvPr id="3" name="Content Placeholder 2"/>
+          <p:cNvSpPr>
+            <a:spLocks noGrp="1"/>
+          </p:cNvSpPr>
+          <p:nvPr>
+            <p:ph idx="1"/>
+          </p:nvPr>
+        </p:nvSpPr>
+        <p:spPr>
+          <a:xfrm>
+            <a:off x="914400" y="2743200"/>
+            <a:ext cx="12801600" cy="0"/>
+          </a:xfrm>
+        </p:spPr>
+        <p:txBody>
+          <a:bodyPr/>
+          <a:lstStyle/>
+          <a:p>
+            <a:pPr>
+              <a:defRPr b="0" sz="3800">
+                <a:solidFill>
+                  <a:srgbClr val="000000"/>
+                </a:solidFill>
+                <a:latin typeface="VK Sans Display"/>
+              </a:defRPr>
+            </a:pPr>
+            <a:r>
+              <a:t>Компания разрабатывает и поддерживает приложение для изучения формул</a:t>
+            </a:r>
+          </a:p>
+        </p:txBody>
+      </p:sp>
+    </p:spTree>
+  </p:cSld>
+  <p:clrMapOvr>
+    <a:masterClrMapping/>
+  </p:clrMapOvr>
+</p:sld>
+</file>
+
+<file path=ppt/slides/slide7.xml><?xml version="1.0" encoding="utf-8"?>
+<p:sld xmlns:a="http://schemas.openxmlformats.org/drawingml/2006/main" xmlns:p="http://schemas.openxmlformats.org/presentationml/2006/main" xmlns:r="http://schemas.openxmlformats.org/officeDocument/2006/relationships">
+  <p:cSld>
+    <p:bg>
+      <p:bgPr>
+        <a:gradFill rotWithShape="1">
+          <a:gsLst>
+            <a:gs pos="0">
+              <a:srgbClr val="E0FBFF"/>
+            </a:gs>
+            <a:gs pos="100000">
+              <a:srgbClr val="F5E2FF"/>
+            </a:gs>
+          </a:gsLst>
+          <a:lin scaled="0" ang="10320000"/>
+        </a:gradFill>
+        <a:effectLst/>
+      </p:bgPr>
+    </p:bg>
+    <p:spTree>
+      <p:nvGrpSpPr>
+        <p:cNvPr id="1" name=""/>
+        <p:cNvGrpSpPr/>
+        <p:nvPr/>
+      </p:nvGrpSpPr>
+      <p:grpSpPr/>
+      <p:sp>
+        <p:nvSpPr>
+          <p:cNvPr id="2" name="Title 1"/>
+          <p:cNvSpPr>
+            <a:spLocks noGrp="1"/>
+          </p:cNvSpPr>
+          <p:nvPr>
+            <p:ph type="title"/>
+          </p:nvPr>
+        </p:nvSpPr>
+        <p:spPr>
+          <a:xfrm>
+            <a:off x="914400" y="731520"/>
+            <a:ext cx="12801600" cy="0"/>
+          </a:xfrm>
+        </p:spPr>
+        <p:txBody>
+          <a:bodyPr/>
+          <a:lstStyle/>
+          <a:p>
+            <a:pPr>
+              <a:defRPr b="1" sz="5000">
+                <a:solidFill>
+                  <a:srgbClr val="000000"/>
+                </a:solidFill>
+                <a:latin typeface="VK Sans Display"/>
+              </a:defRPr>
+            </a:pPr>
+            <a:r>
+              <a:t>Преймущества</a:t>
+            </a:r>
+          </a:p>
+        </p:txBody>
+      </p:sp>
+      <p:sp>
+        <p:nvSpPr>
+          <p:cNvPr id="3" name="Content Placeholder 2"/>
+          <p:cNvSpPr>
+            <a:spLocks noGrp="1"/>
+          </p:cNvSpPr>
+          <p:nvPr>
+            <p:ph idx="1"/>
+          </p:nvPr>
+        </p:nvSpPr>
+        <p:spPr>
+          <a:xfrm>
+            <a:off x="914400" y="2743200"/>
+            <a:ext cx="12801600" cy="0"/>
+          </a:xfrm>
+        </p:spPr>
+        <p:txBody>
+          <a:bodyPr/>
+          <a:lstStyle/>
+          <a:p>
+            <a:pPr>
+              <a:defRPr b="0" sz="3800">
+                <a:solidFill>
+                  <a:srgbClr val="000000"/>
+                </a:solidFill>
+                <a:latin typeface="VK Sans Display"/>
+              </a:defRPr>
+            </a:pPr>
+            <a:r>
+              <a:t>Эффективное, легкое в изучении, инновационное</a:t>
+            </a:r>
+          </a:p>
+        </p:txBody>
+      </p:sp>
+    </p:spTree>
+  </p:cSld>
+  <p:clrMapOvr>
+    <a:masterClrMapping/>
+  </p:clrMapOvr>
+</p:sld>
+</file>
+
+<file path=ppt/slides/slide8.xml><?xml version="1.0" encoding="utf-8"?>
+<p:sld xmlns:a="http://schemas.openxmlformats.org/drawingml/2006/main" xmlns:p="http://schemas.openxmlformats.org/presentationml/2006/main" xmlns:r="http://schemas.openxmlformats.org/officeDocument/2006/relationships">
+  <p:cSld>
+    <p:bg>
+      <p:bgPr>
+        <a:gradFill rotWithShape="1">
+          <a:gsLst>
+            <a:gs pos="0">
+              <a:srgbClr val="E0FBFF"/>
+            </a:gs>
+            <a:gs pos="100000">
+              <a:srgbClr val="F5E2FF"/>
+            </a:gs>
+          </a:gsLst>
+          <a:lin scaled="0" ang="6000000"/>
+        </a:gradFill>
+        <a:effectLst/>
+      </p:bgPr>
+    </p:bg>
+    <p:spTree>
+      <p:nvGrpSpPr>
+        <p:cNvPr id="1" name=""/>
+        <p:cNvGrpSpPr/>
+        <p:nvPr/>
+      </p:nvGrpSpPr>
+      <p:grpSpPr/>
+      <p:sp>
+        <p:nvSpPr>
+          <p:cNvPr id="2" name="Title 1"/>
+          <p:cNvSpPr>
+            <a:spLocks noGrp="1"/>
+          </p:cNvSpPr>
+          <p:nvPr>
+            <p:ph type="title"/>
+          </p:nvPr>
+        </p:nvSpPr>
+        <p:spPr>
+          <a:xfrm>
+            <a:off x="914400" y="731520"/>
+            <a:ext cx="12801600" cy="0"/>
+          </a:xfrm>
+        </p:spPr>
+        <p:txBody>
+          <a:bodyPr/>
+          <a:lstStyle/>
+          <a:p>
+            <a:pPr>
+              <a:defRPr b="1" sz="5000">
+                <a:solidFill>
+                  <a:srgbClr val="000000"/>
+                </a:solidFill>
+                <a:latin typeface="VK Sans Display"/>
+              </a:defRPr>
+            </a:pPr>
+            <a:r>
+              <a:t>Удобство</a:t>
+            </a:r>
+          </a:p>
+        </p:txBody>
+      </p:sp>
+      <p:sp>
+        <p:nvSpPr>
+          <p:cNvPr id="3" name="Content Placeholder 2"/>
+          <p:cNvSpPr>
+            <a:spLocks noGrp="1"/>
+          </p:cNvSpPr>
+          <p:nvPr>
+            <p:ph idx="1"/>
+          </p:nvPr>
+        </p:nvSpPr>
+        <p:spPr>
+          <a:xfrm>
+            <a:off x="914400" y="2743200"/>
+            <a:ext cx="12801600" cy="0"/>
+          </a:xfrm>
+        </p:spPr>
+        <p:txBody>
+          <a:bodyPr/>
+          <a:lstStyle/>
+          <a:p>
+            <a:pPr>
+              <a:defRPr b="0" sz="3800">
+                <a:solidFill>
+                  <a:srgbClr val="000000"/>
+                </a:solidFill>
+                <a:latin typeface="VK Sans Display"/>
+              </a:defRPr>
+            </a:pPr>
+            <a:r>
+              <a:t>Простой и понятный интерфейс</a:t>
+            </a:r>
+          </a:p>
+        </p:txBody>
+      </p:sp>
+    </p:spTree>
+  </p:cSld>
+  <p:clrMapOvr>
+    <a:masterClrMapping/>
+  </p:clrMapOvr>
+</p:sld>
+</file>
+
+<file path=ppt/slides/slide9.xml><?xml version="1.0" encoding="utf-8"?>
+<p:sld xmlns:a="http://schemas.openxmlformats.org/drawingml/2006/main" xmlns:p="http://schemas.openxmlformats.org/presentationml/2006/main" xmlns:r="http://schemas.openxmlformats.org/officeDocument/2006/relationships">
+  <p:cSld>
+    <p:bg>
+      <p:bgPr>
+        <a:gradFill rotWithShape="1">
+          <a:gsLst>
+            <a:gs pos="0">
+              <a:srgbClr val="E0FBFF"/>
+            </a:gs>
+            <a:gs pos="100000">
+              <a:srgbClr val="F5E2FF"/>
+            </a:gs>
+          </a:gsLst>
+          <a:lin scaled="0" ang="15660000"/>
+        </a:gradFill>
+        <a:effectLst/>
+      </p:bgPr>
+    </p:bg>
+    <p:spTree>
+      <p:nvGrpSpPr>
+        <p:cNvPr id="1" name=""/>
+        <p:cNvGrpSpPr/>
+        <p:nvPr/>
+      </p:nvGrpSpPr>
+      <p:grpSpPr/>
+      <p:sp>
+        <p:nvSpPr>
+          <p:cNvPr id="2" name="Title 1"/>
+          <p:cNvSpPr>
+            <a:spLocks noGrp="1"/>
+          </p:cNvSpPr>
+          <p:nvPr>
+            <p:ph type="title"/>
+          </p:nvPr>
+        </p:nvSpPr>
+        <p:spPr>
+          <a:xfrm>
+            <a:off x="914400" y="731520"/>
+            <a:ext cx="12801600" cy="0"/>
+          </a:xfrm>
+        </p:spPr>
+        <p:txBody>
+          <a:bodyPr/>
+          <a:lstStyle/>
+          <a:p>
+            <a:pPr>
+              <a:defRPr b="1" sz="5000">
+                <a:solidFill>
+                  <a:srgbClr val="000000"/>
+                </a:solidFill>
+                <a:latin typeface="VK Sans Display"/>
+              </a:defRPr>
+            </a:pPr>
+            <a:r>
+              <a:t>Трекшн и финансы</a:t>
+            </a:r>
+          </a:p>
+        </p:txBody>
+      </p:sp>
+      <p:sp>
+        <p:nvSpPr>
+          <p:cNvPr id="3" name="Content Placeholder 2"/>
+          <p:cNvSpPr>
+            <a:spLocks noGrp="1"/>
+          </p:cNvSpPr>
+          <p:nvPr>
+            <p:ph idx="1"/>
+          </p:nvPr>
+        </p:nvSpPr>
+        <p:spPr>
+          <a:xfrm>
+            <a:off x="914400" y="2743200"/>
+            <a:ext cx="12801600" cy="0"/>
+          </a:xfrm>
+        </p:spPr>
+        <p:txBody>
+          <a:bodyPr/>
+          <a:lstStyle/>
+          <a:p>
+            <a:pPr>
+              <a:defRPr b="0" sz="3800">
+                <a:solidFill>
+                  <a:srgbClr val="000000"/>
+                </a:solidFill>
+                <a:latin typeface="VK Sans Display"/>
+              </a:defRPr>
+            </a:pPr>
+            <a:r>
+              <a:t>Трекшн, партнерства, выручка, количество клиентов, CAC - LTV</a:t>
             </a:r>
           </a:p>
         </p:txBody>
